--- a/Slide_BlockChain_CrowdFunding_Web3.pptx
+++ b/Slide_BlockChain_CrowdFunding_Web3.pptx
@@ -5,20 +5,18 @@
     <p:sldMasterId id="2147483648" r:id="rId1"/>
   </p:sldMasterIdLst>
   <p:notesMasterIdLst>
-    <p:notesMasterId r:id="rId10"/>
+    <p:notesMasterId r:id="rId8"/>
   </p:notesMasterIdLst>
   <p:handoutMasterIdLst>
-    <p:handoutMasterId r:id="rId11"/>
+    <p:handoutMasterId r:id="rId9"/>
   </p:handoutMasterIdLst>
   <p:sldIdLst>
     <p:sldId id="256" r:id="rId2"/>
     <p:sldId id="261" r:id="rId3"/>
     <p:sldId id="262" r:id="rId4"/>
-    <p:sldId id="269" r:id="rId5"/>
-    <p:sldId id="264" r:id="rId6"/>
-    <p:sldId id="265" r:id="rId7"/>
-    <p:sldId id="266" r:id="rId8"/>
-    <p:sldId id="260" r:id="rId9"/>
+    <p:sldId id="264" r:id="rId5"/>
+    <p:sldId id="269" r:id="rId6"/>
+    <p:sldId id="266" r:id="rId7"/>
   </p:sldIdLst>
   <p:sldSz cx="12188825" cy="6858000"/>
   <p:notesSz cx="6858000" cy="9144000"/>
@@ -1697,18 +1695,13 @@
           <a:lstStyle/>
           <a:p>
             <a:r>
-              <a:rPr lang="vi-VN" sz="4800" dirty="0">
+              <a:rPr lang="en-US" sz="4800" dirty="0">
                 <a:effectLst/>
                 <a:latin typeface="#9Slide03 Bebas Neue Bold" panose="020B0606020202050201" pitchFamily="34" charset="0"/>
                 <a:cs typeface="Times New Roman" panose="02020603050405020304" pitchFamily="18" charset="0"/>
               </a:rPr>
-              <a:t>LẬP TRÌNH BLOCKCHAIN VỚI ỨNG DỤNG GỌI VỐN TỪ CỘNG ĐỒNG</a:t>
-            </a:r>
-            <a:endParaRPr lang="en-US" sz="4800" dirty="0">
-              <a:effectLst/>
-              <a:latin typeface="#9Slide03 Bebas Neue Bold" panose="020B0606020202050201" pitchFamily="34" charset="0"/>
-              <a:cs typeface="Times New Roman" panose="02020603050405020304" pitchFamily="18" charset="0"/>
-            </a:endParaRPr>
+              <a:t>BLOCKCHAIN PROGRAMMING WITH A CALLING FOR CAPITAL APPLICATION FROM THE COMMUNITY</a:t>
+            </a:r>
           </a:p>
         </p:txBody>
       </p:sp>
@@ -1938,7 +1931,7 @@
         <p:spPr>
           <a:xfrm>
             <a:off x="7085012" y="4442089"/>
-            <a:ext cx="4973413" cy="1754326"/>
+            <a:ext cx="4385496" cy="1477328"/>
           </a:xfrm>
           <a:prstGeom prst="rect">
             <a:avLst/>
@@ -1953,42 +1946,55 @@
           <a:p>
             <a:r>
               <a:rPr lang="vi-VN" b="1" dirty="0"/>
-              <a:t>Sinh viên thực hiện: Hoàng Trung Hiếu</a:t>
-            </a:r>
+              <a:t>Students perform : </a:t>
+            </a:r>
+            <a:r>
+              <a:rPr lang="en-US" b="1" dirty="0"/>
+              <a:t>Hoang Trung Hieu</a:t>
+            </a:r>
+            <a:endParaRPr lang="vi-VN" b="1" dirty="0"/>
           </a:p>
           <a:p>
             <a:r>
               <a:rPr lang="vi-VN" b="1" dirty="0"/>
-              <a:t>	   	       Hoàng Phan Tuấn Kiệt</a:t>
-            </a:r>
+              <a:t>	   	    </a:t>
+            </a:r>
+            <a:r>
+              <a:rPr lang="en-US" b="1" dirty="0"/>
+              <a:t>Hoang Phan Tuan Kiet</a:t>
+            </a:r>
+            <a:endParaRPr lang="vi-VN" b="1" dirty="0"/>
           </a:p>
           <a:p>
             <a:r>
               <a:rPr lang="vi-VN" b="1" dirty="0"/>
-              <a:t>		       Hồ Nguyên Hà</a:t>
-            </a:r>
+              <a:t>		</a:t>
+            </a:r>
+            <a:r>
+              <a:rPr lang="en-US" b="1" dirty="0"/>
+              <a:t>     Ho Nguyen Ha</a:t>
+            </a:r>
+            <a:endParaRPr lang="vi-VN" b="1" dirty="0"/>
           </a:p>
           <a:p>
             <a:r>
               <a:rPr lang="vi-VN" b="1" dirty="0"/>
-              <a:t>		       Phan Văn Ngọc</a:t>
-            </a:r>
-          </a:p>
-          <a:p>
+              <a:t>		</a:t>
+            </a:r>
+            <a:r>
+              <a:rPr lang="en-US" b="1" dirty="0"/>
+              <a:t>     Phan Van Ngoc</a:t>
+            </a:r>
             <a:endParaRPr lang="vi-VN" b="1" dirty="0"/>
           </a:p>
           <a:p>
             <a:r>
               <a:rPr lang="vi-VN" b="1" dirty="0"/>
-              <a:t>	Giảng viên: </a:t>
-            </a:r>
-            <a:r>
-              <a:rPr lang="vi-VN" b="1" dirty="0" err="1"/>
-              <a:t>TS.Trần</a:t>
-            </a:r>
-            <a:r>
-              <a:rPr lang="vi-VN" b="1" dirty="0"/>
-              <a:t> Văn Đại</a:t>
+              <a:t>Instructor guides : TS.Tr</a:t>
+            </a:r>
+            <a:r>
+              <a:rPr lang="en-US" b="1" dirty="0"/>
+              <a:t>an Van Dai</a:t>
             </a:r>
             <a:endParaRPr lang="en-US" dirty="0"/>
           </a:p>
@@ -2079,7 +2085,7 @@
         <p:spPr>
           <a:xfrm>
             <a:off x="4061062" y="3124200"/>
-            <a:ext cx="4216399" cy="2667000"/>
+            <a:ext cx="5233750" cy="2667000"/>
           </a:xfrm>
         </p:spPr>
         <p:txBody>
@@ -2101,54 +2107,9 @@
                 <a:ea typeface="Calibri" panose="020F0502020204030204" pitchFamily="34" charset="0"/>
                 <a:cs typeface="Calibri" panose="020F0502020204030204" pitchFamily="34" charset="0"/>
               </a:rPr>
-              <a:t>Giới thiệu đề tài</a:t>
-            </a:r>
-          </a:p>
-          <a:p>
-            <a:pPr marL="514350" indent="-514350" algn="l">
-              <a:buFont typeface="+mj-lt"/>
-              <a:buAutoNum type="arabicPeriod"/>
-            </a:pPr>
-            <a:r>
-              <a:rPr lang="vi-VN" dirty="0">
-                <a:solidFill>
-                  <a:schemeClr val="tx2"/>
-                </a:solidFill>
-                <a:latin typeface="Calibri" panose="020F0502020204030204" pitchFamily="34" charset="0"/>
-                <a:ea typeface="Calibri" panose="020F0502020204030204" pitchFamily="34" charset="0"/>
-                <a:cs typeface="Calibri" panose="020F0502020204030204" pitchFamily="34" charset="0"/>
-              </a:rPr>
-              <a:t>Chức năng trong đề tài</a:t>
-            </a:r>
-          </a:p>
-          <a:p>
-            <a:pPr marL="514350" indent="-514350" algn="l">
-              <a:buFont typeface="+mj-lt"/>
-              <a:buAutoNum type="arabicPeriod"/>
-            </a:pPr>
-            <a:r>
-              <a:rPr lang="vi-VN" dirty="0">
-                <a:solidFill>
-                  <a:schemeClr val="tx2"/>
-                </a:solidFill>
-                <a:latin typeface="Calibri" panose="020F0502020204030204" pitchFamily="34" charset="0"/>
-                <a:ea typeface="Calibri" panose="020F0502020204030204" pitchFamily="34" charset="0"/>
-                <a:cs typeface="Calibri" panose="020F0502020204030204" pitchFamily="34" charset="0"/>
-              </a:rPr>
-              <a:t>Hình ảnh </a:t>
-            </a:r>
-            <a:r>
-              <a:rPr lang="vi-VN" dirty="0" err="1">
-                <a:solidFill>
-                  <a:schemeClr val="tx2"/>
-                </a:solidFill>
-                <a:latin typeface="Calibri" panose="020F0502020204030204" pitchFamily="34" charset="0"/>
-                <a:ea typeface="Calibri" panose="020F0502020204030204" pitchFamily="34" charset="0"/>
-                <a:cs typeface="Calibri" panose="020F0502020204030204" pitchFamily="34" charset="0"/>
-              </a:rPr>
-              <a:t>demo</a:t>
-            </a:r>
-            <a:endParaRPr lang="vi-VN" dirty="0">
+              <a:t>Introduce the topic</a:t>
+            </a:r>
+            <a:endParaRPr lang="en-US" dirty="0">
               <a:solidFill>
                 <a:schemeClr val="tx2"/>
               </a:solidFill>
@@ -2171,14 +2132,124 @@
                 <a:ea typeface="Calibri" panose="020F0502020204030204" pitchFamily="34" charset="0"/>
                 <a:cs typeface="Calibri" panose="020F0502020204030204" pitchFamily="34" charset="0"/>
               </a:rPr>
-              <a:t>Kết luận</a:t>
-            </a:r>
+              <a:t>Functions in the topic</a:t>
+            </a:r>
+            <a:endParaRPr lang="en-US" dirty="0">
+              <a:solidFill>
+                <a:schemeClr val="tx2"/>
+              </a:solidFill>
+              <a:latin typeface="Calibri" panose="020F0502020204030204" pitchFamily="34" charset="0"/>
+              <a:ea typeface="Calibri" panose="020F0502020204030204" pitchFamily="34" charset="0"/>
+              <a:cs typeface="Calibri" panose="020F0502020204030204" pitchFamily="34" charset="0"/>
+            </a:endParaRPr>
           </a:p>
           <a:p>
             <a:pPr marL="514350" indent="-514350" algn="l">
               <a:buFont typeface="+mj-lt"/>
               <a:buAutoNum type="arabicPeriod"/>
             </a:pPr>
+            <a:r>
+              <a:rPr lang="vi-VN" dirty="0" err="1">
+                <a:solidFill>
+                  <a:schemeClr val="tx2"/>
+                </a:solidFill>
+                <a:latin typeface="Calibri" panose="020F0502020204030204" pitchFamily="34" charset="0"/>
+                <a:ea typeface="Calibri" panose="020F0502020204030204" pitchFamily="34" charset="0"/>
+                <a:cs typeface="Calibri" panose="020F0502020204030204" pitchFamily="34" charset="0"/>
+              </a:rPr>
+              <a:t>Technology</a:t>
+            </a:r>
+            <a:r>
+              <a:rPr lang="vi-VN" dirty="0">
+                <a:solidFill>
+                  <a:schemeClr val="tx2"/>
+                </a:solidFill>
+                <a:latin typeface="Calibri" panose="020F0502020204030204" pitchFamily="34" charset="0"/>
+                <a:ea typeface="Calibri" panose="020F0502020204030204" pitchFamily="34" charset="0"/>
+                <a:cs typeface="Calibri" panose="020F0502020204030204" pitchFamily="34" charset="0"/>
+              </a:rPr>
+              <a:t> </a:t>
+            </a:r>
+            <a:r>
+              <a:rPr lang="vi-VN" dirty="0" err="1">
+                <a:solidFill>
+                  <a:schemeClr val="tx2"/>
+                </a:solidFill>
+                <a:latin typeface="Calibri" panose="020F0502020204030204" pitchFamily="34" charset="0"/>
+                <a:ea typeface="Calibri" panose="020F0502020204030204" pitchFamily="34" charset="0"/>
+                <a:cs typeface="Calibri" panose="020F0502020204030204" pitchFamily="34" charset="0"/>
+              </a:rPr>
+              <a:t>and</a:t>
+            </a:r>
+            <a:r>
+              <a:rPr lang="vi-VN" dirty="0">
+                <a:solidFill>
+                  <a:schemeClr val="tx2"/>
+                </a:solidFill>
+                <a:latin typeface="Calibri" panose="020F0502020204030204" pitchFamily="34" charset="0"/>
+                <a:ea typeface="Calibri" panose="020F0502020204030204" pitchFamily="34" charset="0"/>
+                <a:cs typeface="Calibri" panose="020F0502020204030204" pitchFamily="34" charset="0"/>
+              </a:rPr>
+              <a:t> </a:t>
+            </a:r>
+            <a:r>
+              <a:rPr lang="vi-VN" dirty="0" err="1">
+                <a:solidFill>
+                  <a:schemeClr val="tx2"/>
+                </a:solidFill>
+                <a:latin typeface="Calibri" panose="020F0502020204030204" pitchFamily="34" charset="0"/>
+                <a:ea typeface="Calibri" panose="020F0502020204030204" pitchFamily="34" charset="0"/>
+                <a:cs typeface="Calibri" panose="020F0502020204030204" pitchFamily="34" charset="0"/>
+              </a:rPr>
+              <a:t>libraries</a:t>
+            </a:r>
+            <a:r>
+              <a:rPr lang="vi-VN" dirty="0">
+                <a:solidFill>
+                  <a:schemeClr val="tx2"/>
+                </a:solidFill>
+                <a:latin typeface="Calibri" panose="020F0502020204030204" pitchFamily="34" charset="0"/>
+                <a:ea typeface="Calibri" panose="020F0502020204030204" pitchFamily="34" charset="0"/>
+                <a:cs typeface="Calibri" panose="020F0502020204030204" pitchFamily="34" charset="0"/>
+              </a:rPr>
+              <a:t> </a:t>
+            </a:r>
+            <a:r>
+              <a:rPr lang="vi-VN" dirty="0" err="1">
+                <a:solidFill>
+                  <a:schemeClr val="tx2"/>
+                </a:solidFill>
+                <a:latin typeface="Calibri" panose="020F0502020204030204" pitchFamily="34" charset="0"/>
+                <a:ea typeface="Calibri" panose="020F0502020204030204" pitchFamily="34" charset="0"/>
+                <a:cs typeface="Calibri" panose="020F0502020204030204" pitchFamily="34" charset="0"/>
+              </a:rPr>
+              <a:t>used</a:t>
+            </a:r>
+            <a:endParaRPr lang="en-US" dirty="0">
+              <a:solidFill>
+                <a:schemeClr val="tx2"/>
+              </a:solidFill>
+              <a:latin typeface="Calibri" panose="020F0502020204030204" pitchFamily="34" charset="0"/>
+              <a:ea typeface="Calibri" panose="020F0502020204030204" pitchFamily="34" charset="0"/>
+              <a:cs typeface="Calibri" panose="020F0502020204030204" pitchFamily="34" charset="0"/>
+            </a:endParaRPr>
+          </a:p>
+          <a:p>
+            <a:pPr marL="514350" indent="-514350" algn="l">
+              <a:buFont typeface="+mj-lt"/>
+              <a:buAutoNum type="arabicPeriod"/>
+            </a:pPr>
+            <a:r>
+              <a:rPr lang="vi-VN" dirty="0">
+                <a:solidFill>
+                  <a:schemeClr val="tx2"/>
+                </a:solidFill>
+                <a:latin typeface="Calibri" panose="020F0502020204030204" pitchFamily="34" charset="0"/>
+                <a:ea typeface="Calibri" panose="020F0502020204030204" pitchFamily="34" charset="0"/>
+                <a:cs typeface="Calibri" panose="020F0502020204030204" pitchFamily="34" charset="0"/>
+              </a:rPr>
+              <a:t>Demo</a:t>
+            </a:r>
             <a:endParaRPr lang="en-US" dirty="0">
               <a:solidFill>
                 <a:schemeClr val="tx2"/>
@@ -2301,8 +2372,8 @@
         </p:nvSpPr>
         <p:spPr>
           <a:xfrm>
-            <a:off x="9066212" y="-4763"/>
-            <a:ext cx="3122612" cy="553998"/>
+            <a:off x="8761412" y="0"/>
+            <a:ext cx="5180012" cy="523220"/>
           </a:xfrm>
           <a:prstGeom prst="rect">
             <a:avLst/>
@@ -2315,20 +2386,25 @@
           </a:bodyPr>
           <a:lstStyle/>
           <a:p>
-            <a:r>
-              <a:rPr lang="vi-VN" sz="3000" b="1" dirty="0">
-                <a:solidFill>
-                  <a:srgbClr val="374F8B"/>
-                </a:solidFill>
-                <a:latin typeface="+mj-lt"/>
-              </a:rPr>
-              <a:t>Giới thiệu đề tài</a:t>
-            </a:r>
-            <a:endParaRPr lang="en-US" sz="3000" b="1" dirty="0">
+            <a:pPr algn="l"/>
+            <a:r>
+              <a:rPr lang="vi-VN" sz="2800" dirty="0">
+                <a:solidFill>
+                  <a:schemeClr val="tx2"/>
+                </a:solidFill>
+                <a:latin typeface="Calibri" panose="020F0502020204030204" pitchFamily="34" charset="0"/>
+                <a:ea typeface="Calibri" panose="020F0502020204030204" pitchFamily="34" charset="0"/>
+                <a:cs typeface="Calibri" panose="020F0502020204030204" pitchFamily="34" charset="0"/>
+              </a:rPr>
+              <a:t>Introduce the topic</a:t>
+            </a:r>
+            <a:endParaRPr lang="en-US" sz="2800" dirty="0">
               <a:solidFill>
-                <a:srgbClr val="374F8B"/>
+                <a:schemeClr val="tx2"/>
               </a:solidFill>
-              <a:latin typeface="+mj-lt"/>
+              <a:latin typeface="Calibri" panose="020F0502020204030204" pitchFamily="34" charset="0"/>
+              <a:ea typeface="Calibri" panose="020F0502020204030204" pitchFamily="34" charset="0"/>
+              <a:cs typeface="Calibri" panose="020F0502020204030204" pitchFamily="34" charset="0"/>
             </a:endParaRPr>
           </a:p>
         </p:txBody>
@@ -2348,7 +2424,7 @@
         <p:spPr>
           <a:xfrm>
             <a:off x="684212" y="1143000"/>
-            <a:ext cx="10820400" cy="5355312"/>
+            <a:ext cx="10820400" cy="4616648"/>
           </a:xfrm>
           <a:prstGeom prst="rect">
             <a:avLst/>
@@ -2363,10 +2439,16 @@
           <a:p>
             <a:pPr algn="just"/>
             <a:r>
+              <a:rPr lang="en-US" sz="3200" b="1" dirty="0">
+                <a:latin typeface="+mj-lt"/>
+              </a:rPr>
+              <a:t>O</a:t>
+            </a:r>
+            <a:r>
               <a:rPr lang="vi-VN" sz="3200" b="1" dirty="0">
                 <a:latin typeface="+mj-lt"/>
               </a:rPr>
-              <a:t>Tổng quan :</a:t>
+              <a:t>verview:</a:t>
             </a:r>
           </a:p>
           <a:p>
@@ -2379,81 +2461,53 @@
           <a:p>
             <a:pPr algn="just"/>
             <a:r>
-              <a:rPr lang="vi-VN" sz="2400" b="0" i="0" dirty="0">
+              <a:rPr lang="en-US" sz="2400" b="0" i="0" dirty="0">
                 <a:effectLst/>
                 <a:latin typeface="+mj-lt"/>
               </a:rPr>
-              <a:t>Đề tài tập trung vào thiết kế một </a:t>
-            </a:r>
-            <a:r>
-              <a:rPr lang="vi-VN" sz="2400" b="0" i="0" dirty="0" err="1">
+              <a:t>The topic focuses on designing a crowdfunding website based on Blockchain technology using </a:t>
+            </a:r>
+            <a:r>
+              <a:rPr lang="en-US" sz="2400" b="1" i="0" dirty="0">
                 <a:effectLst/>
                 <a:latin typeface="+mj-lt"/>
               </a:rPr>
-              <a:t>website</a:t>
-            </a:r>
-            <a:r>
-              <a:rPr lang="vi-VN" sz="2400" b="0" i="0" dirty="0">
+              <a:t>Ethereum</a:t>
+            </a:r>
+            <a:r>
+              <a:rPr lang="en-US" sz="2400" b="0" i="0" dirty="0">
                 <a:effectLst/>
                 <a:latin typeface="+mj-lt"/>
               </a:rPr>
-              <a:t> gọi vốn từ cộng đồng dựa trên công nghệ </a:t>
-            </a:r>
-            <a:r>
-              <a:rPr lang="vi-VN" sz="2400" b="0" i="0" dirty="0" err="1">
+              <a:t>, </a:t>
+            </a:r>
+            <a:r>
+              <a:rPr lang="en-US" sz="2400" b="1" i="0" dirty="0">
                 <a:effectLst/>
                 <a:latin typeface="+mj-lt"/>
               </a:rPr>
-              <a:t>Blockchain</a:t>
-            </a:r>
-            <a:r>
-              <a:rPr lang="vi-VN" sz="2400" b="0" i="0" dirty="0">
+              <a:t>Solidity</a:t>
+            </a:r>
+            <a:r>
+              <a:rPr lang="en-US" sz="2400" b="0" i="0" dirty="0">
                 <a:effectLst/>
                 <a:latin typeface="+mj-lt"/>
               </a:rPr>
-              <a:t> sử dụng </a:t>
-            </a:r>
-            <a:r>
-              <a:rPr lang="vi-VN" sz="2400" b="1" dirty="0" err="1">
+              <a:t>, </a:t>
+            </a:r>
+            <a:r>
+              <a:rPr lang="en-US" sz="2400" b="1" i="0" dirty="0">
                 <a:effectLst/>
                 <a:latin typeface="+mj-lt"/>
               </a:rPr>
-              <a:t>Ethereum</a:t>
-            </a:r>
-            <a:r>
-              <a:rPr lang="vi-VN" sz="2400" b="0" i="0" dirty="0">
+              <a:t>Web3.js </a:t>
+            </a:r>
+            <a:r>
+              <a:rPr lang="en-US" sz="2400" b="0" i="0" dirty="0">
                 <a:effectLst/>
                 <a:latin typeface="+mj-lt"/>
               </a:rPr>
-              <a:t>, </a:t>
-            </a:r>
-            <a:r>
-              <a:rPr lang="vi-VN" sz="2400" b="1" i="0" dirty="0" err="1">
-                <a:effectLst/>
-                <a:latin typeface="+mj-lt"/>
-              </a:rPr>
-              <a:t>Solidity</a:t>
-            </a:r>
-            <a:r>
-              <a:rPr lang="vi-VN" sz="2400" b="0" i="0" dirty="0">
-                <a:effectLst/>
-                <a:latin typeface="+mj-lt"/>
-              </a:rPr>
-              <a:t>, </a:t>
-            </a:r>
-            <a:r>
-              <a:rPr lang="vi-VN" sz="2400" b="1" i="0" dirty="0">
-                <a:effectLst/>
-                <a:latin typeface="+mj-lt"/>
-              </a:rPr>
-              <a:t>Web3.js </a:t>
-            </a:r>
-            <a:r>
-              <a:rPr lang="vi-VN" sz="2400" b="0" i="0" dirty="0">
-                <a:effectLst/>
-                <a:latin typeface="+mj-lt"/>
-              </a:rPr>
-              <a:t>và </a:t>
+              <a:t>and </a:t>
             </a:r>
             <a:r>
               <a:rPr lang="en-US" sz="2400" b="1" i="0" dirty="0" err="1">
@@ -2463,7 +2517,7 @@
               <a:t>Thirdweb</a:t>
             </a:r>
             <a:r>
-              <a:rPr lang="vi-VN" sz="2400" b="0" i="0" dirty="0">
+              <a:rPr lang="en-US" sz="2400" b="0" i="0" dirty="0">
                 <a:effectLst/>
                 <a:latin typeface="+mj-lt"/>
               </a:rPr>
@@ -2482,21 +2536,11 @@
               <a:buChar char="•"/>
             </a:pPr>
             <a:r>
-              <a:rPr lang="vi-VN" sz="2400" b="0" i="0" dirty="0">
+              <a:rPr lang="en-US" sz="2400" b="0" i="0" dirty="0">
                 <a:effectLst/>
                 <a:latin typeface="+mj-lt"/>
               </a:rPr>
-              <a:t>Mục Đích :</a:t>
-            </a:r>
-            <a:r>
-              <a:rPr lang="vi-VN" sz="2400" b="0" i="0" dirty="0">
-                <a:solidFill>
-                  <a:srgbClr val="374151"/>
-                </a:solidFill>
-                <a:effectLst/>
-                <a:latin typeface="+mj-lt"/>
-              </a:rPr>
-              <a:t> Hợp đồng thông minh này được tạo ra để hỗ trợ quá trình quản lý và tham gia vào các chiến dịch gây quỹ.</a:t>
+              <a:t>Purpose: This smart contract was created to support the process of managing and participating in fundraising campaigns.</a:t>
             </a:r>
           </a:p>
           <a:p>
@@ -2504,80 +2548,27 @@
               <a:buFont typeface="Arial" panose="020B0604020202020204" pitchFamily="34" charset="0"/>
               <a:buChar char="•"/>
             </a:pPr>
-            <a:endParaRPr lang="vi-VN" sz="2400" b="0" i="0" dirty="0">
-              <a:solidFill>
-                <a:srgbClr val="374151"/>
-              </a:solidFill>
-              <a:effectLst/>
-              <a:latin typeface="+mj-lt"/>
-            </a:endParaRPr>
-          </a:p>
-          <a:p>
-            <a:pPr marL="342900" indent="-342900" algn="just">
-              <a:buFont typeface="Arial" panose="020B0604020202020204" pitchFamily="34" charset="0"/>
-              <a:buChar char="•"/>
-            </a:pPr>
-            <a:r>
-              <a:rPr lang="vi-VN" sz="2400" dirty="0">
-                <a:solidFill>
-                  <a:srgbClr val="374151"/>
-                </a:solidFill>
-                <a:latin typeface="+mj-lt"/>
-              </a:rPr>
-              <a:t>Lí do chọn đề tài: </a:t>
-            </a:r>
-            <a:r>
-              <a:rPr lang="vi-VN" sz="2400" b="0" i="0" dirty="0" err="1">
-                <a:solidFill>
-                  <a:srgbClr val="374151"/>
-                </a:solidFill>
+            <a:r>
+              <a:rPr lang="en-US" sz="2400" b="0" i="0" dirty="0">
                 <a:effectLst/>
                 <a:latin typeface="+mj-lt"/>
               </a:rPr>
-              <a:t>CrowdFunding</a:t>
-            </a:r>
-            <a:r>
-              <a:rPr lang="vi-VN" sz="2400" b="0" i="0" dirty="0">
-                <a:solidFill>
-                  <a:srgbClr val="374151"/>
-                </a:solidFill>
+              <a:t>Reason for choosing the topic: </a:t>
+            </a:r>
+            <a:r>
+              <a:rPr lang="en-US" sz="2400" b="0" i="0" dirty="0" err="1">
                 <a:effectLst/>
                 <a:latin typeface="+mj-lt"/>
               </a:rPr>
-              <a:t> là một ứng dụng thực tế và phổ biến trong thế giới hiện đại. Việc sử dụng </a:t>
-            </a:r>
-            <a:r>
-              <a:rPr lang="vi-VN" sz="2400" b="0" i="0" dirty="0" err="1">
-                <a:solidFill>
-                  <a:srgbClr val="374151"/>
-                </a:solidFill>
+              <a:t>CrowdFunding</a:t>
+            </a:r>
+            <a:r>
+              <a:rPr lang="en-US" sz="2400" b="0" i="0" dirty="0">
                 <a:effectLst/>
                 <a:latin typeface="+mj-lt"/>
               </a:rPr>
-              <a:t>blockchain</a:t>
-            </a:r>
-            <a:r>
-              <a:rPr lang="vi-VN" sz="2400" b="0" i="0" dirty="0">
-                <a:solidFill>
-                  <a:srgbClr val="374151"/>
-                </a:solidFill>
-                <a:effectLst/>
-                <a:latin typeface="+mj-lt"/>
-              </a:rPr>
-              <a:t> để triển khai các chiến dịch gây quỹ có thể mang lại sự minh bạch và an toàn hơn cho các dự án nhỏ và sự kiện cộng đồng.</a:t>
-            </a:r>
-            <a:endParaRPr lang="vi-VN" sz="2400" dirty="0">
-              <a:solidFill>
-                <a:srgbClr val="374151"/>
-              </a:solidFill>
-              <a:latin typeface="+mj-lt"/>
-            </a:endParaRPr>
-          </a:p>
-          <a:p>
-            <a:pPr marL="342900" indent="-342900" algn="just">
-              <a:buFont typeface="Arial" panose="020B0604020202020204" pitchFamily="34" charset="0"/>
-              <a:buChar char="•"/>
-            </a:pPr>
+              <a:t> is a practical and popular application in the modern world. Using blockchain to launch fundraising campaigns can bring more transparency and security to small projects and community events.</a:t>
+            </a:r>
             <a:endParaRPr lang="vi-VN" sz="2400" b="0" i="0" dirty="0">
               <a:solidFill>
                 <a:srgbClr val="374151"/>
@@ -2635,394 +2626,6 @@
       </p:grpSpPr>
       <p:sp>
         <p:nvSpPr>
-          <p:cNvPr id="2" name="Title 1">
-            <a:extLst>
-              <a:ext uri="{FF2B5EF4-FFF2-40B4-BE49-F238E27FC236}">
-                <a16:creationId xmlns:a16="http://schemas.microsoft.com/office/drawing/2014/main" id="{F0B9A534-8C7E-279E-FD74-138AE0837815}"/>
-              </a:ext>
-            </a:extLst>
-          </p:cNvPr>
-          <p:cNvSpPr>
-            <a:spLocks noGrp="1"/>
-          </p:cNvSpPr>
-          <p:nvPr>
-            <p:ph type="title"/>
-          </p:nvPr>
-        </p:nvSpPr>
-        <p:spPr/>
-        <p:txBody>
-          <a:bodyPr/>
-          <a:lstStyle/>
-          <a:p>
-            <a:r>
-              <a:rPr lang="vi-VN" dirty="0">
-                <a:effectLst/>
-              </a:rPr>
-              <a:t>Chức năng của đề tài</a:t>
-            </a:r>
-            <a:endParaRPr lang="en-US" dirty="0">
-              <a:effectLst/>
-            </a:endParaRPr>
-          </a:p>
-        </p:txBody>
-      </p:sp>
-      <p:sp>
-        <p:nvSpPr>
-          <p:cNvPr id="3" name="Content Placeholder 2">
-            <a:extLst>
-              <a:ext uri="{FF2B5EF4-FFF2-40B4-BE49-F238E27FC236}">
-                <a16:creationId xmlns:a16="http://schemas.microsoft.com/office/drawing/2014/main" id="{4A8306B3-18EA-AC34-9CD7-B22261F22708}"/>
-              </a:ext>
-            </a:extLst>
-          </p:cNvPr>
-          <p:cNvSpPr>
-            <a:spLocks noGrp="1"/>
-          </p:cNvSpPr>
-          <p:nvPr>
-            <p:ph idx="1"/>
-          </p:nvPr>
-        </p:nvSpPr>
-        <p:spPr/>
-        <p:txBody>
-          <a:bodyPr>
-            <a:normAutofit/>
-          </a:bodyPr>
-          <a:lstStyle/>
-          <a:p>
-            <a:pPr marL="457200" indent="-457200">
-              <a:buAutoNum type="arabicPeriod"/>
-            </a:pPr>
-            <a:endParaRPr lang="vi-VN" sz="2000" b="0" dirty="0">
-              <a:solidFill>
-                <a:schemeClr val="tx1"/>
-              </a:solidFill>
-              <a:latin typeface="+mj-lt"/>
-            </a:endParaRPr>
-          </a:p>
-          <a:p>
-            <a:pPr marL="0" indent="0">
-              <a:buNone/>
-            </a:pPr>
-            <a:r>
-              <a:rPr lang="vi-VN" sz="2000" b="0" dirty="0">
-                <a:solidFill>
-                  <a:schemeClr val="tx1"/>
-                </a:solidFill>
-                <a:latin typeface="+mj-lt"/>
-              </a:rPr>
-              <a:t>1. Kết nối với ví </a:t>
-            </a:r>
-            <a:r>
-              <a:rPr lang="vi-VN" sz="2000" b="0" dirty="0" err="1">
-                <a:solidFill>
-                  <a:schemeClr val="tx1"/>
-                </a:solidFill>
-                <a:latin typeface="+mj-lt"/>
-              </a:rPr>
-              <a:t>metamask</a:t>
-            </a:r>
-            <a:r>
-              <a:rPr lang="vi-VN" sz="2000" b="0" dirty="0">
-                <a:solidFill>
-                  <a:schemeClr val="tx1"/>
-                </a:solidFill>
-                <a:latin typeface="+mj-lt"/>
-              </a:rPr>
-              <a:t>: Kết nối </a:t>
-            </a:r>
-            <a:r>
-              <a:rPr lang="vi-VN" sz="2000" b="0" dirty="0" err="1">
-                <a:solidFill>
-                  <a:schemeClr val="tx1"/>
-                </a:solidFill>
-                <a:latin typeface="+mj-lt"/>
-              </a:rPr>
-              <a:t>website</a:t>
-            </a:r>
-            <a:r>
-              <a:rPr lang="vi-VN" sz="2000" b="0" dirty="0">
-                <a:solidFill>
-                  <a:schemeClr val="tx1"/>
-                </a:solidFill>
-                <a:latin typeface="+mj-lt"/>
-              </a:rPr>
-              <a:t> với ví </a:t>
-            </a:r>
-            <a:r>
-              <a:rPr lang="vi-VN" sz="2000" b="0" dirty="0" err="1">
-                <a:solidFill>
-                  <a:schemeClr val="tx1"/>
-                </a:solidFill>
-                <a:latin typeface="+mj-lt"/>
-              </a:rPr>
-              <a:t>metamask</a:t>
-            </a:r>
-            <a:r>
-              <a:rPr lang="vi-VN" sz="2000" b="0" dirty="0">
-                <a:solidFill>
-                  <a:schemeClr val="tx1"/>
-                </a:solidFill>
-                <a:latin typeface="+mj-lt"/>
-              </a:rPr>
-              <a:t> của người dùng</a:t>
-            </a:r>
-          </a:p>
-          <a:p>
-            <a:pPr marL="457200" indent="-457200">
-              <a:buAutoNum type="arabicPeriod"/>
-            </a:pPr>
-            <a:endParaRPr lang="vi-VN" sz="2000" b="0" dirty="0">
-              <a:solidFill>
-                <a:schemeClr val="tx1"/>
-              </a:solidFill>
-              <a:latin typeface="+mj-lt"/>
-            </a:endParaRPr>
-          </a:p>
-          <a:p>
-            <a:pPr marL="0" indent="0">
-              <a:buNone/>
-            </a:pPr>
-            <a:r>
-              <a:rPr lang="vi-VN" sz="2000" b="0" dirty="0">
-                <a:solidFill>
-                  <a:schemeClr val="tx1"/>
-                </a:solidFill>
-                <a:latin typeface="+mj-lt"/>
-              </a:rPr>
-              <a:t>2. Tạo một chiến dịch gây quỹ từ cộng đồng: Người dùng có thể triển khai một hoặc nhiều chiến dịch gây quỹ từ </a:t>
-            </a:r>
-            <a:r>
-              <a:rPr lang="vi-VN" sz="2000" b="0" dirty="0" err="1">
-                <a:solidFill>
-                  <a:schemeClr val="tx1"/>
-                </a:solidFill>
-                <a:latin typeface="+mj-lt"/>
-              </a:rPr>
-              <a:t>website</a:t>
-            </a:r>
-            <a:r>
-              <a:rPr lang="vi-VN" sz="2000" b="0" dirty="0">
-                <a:solidFill>
-                  <a:schemeClr val="tx1"/>
-                </a:solidFill>
-                <a:latin typeface="+mj-lt"/>
-              </a:rPr>
-              <a:t> </a:t>
-            </a:r>
-          </a:p>
-          <a:p>
-            <a:pPr marL="0" indent="0">
-              <a:buNone/>
-            </a:pPr>
-            <a:endParaRPr lang="vi-VN" sz="2000" b="0" dirty="0">
-              <a:solidFill>
-                <a:schemeClr val="tx1"/>
-              </a:solidFill>
-              <a:latin typeface="+mj-lt"/>
-            </a:endParaRPr>
-          </a:p>
-          <a:p>
-            <a:pPr marL="0" indent="0">
-              <a:buNone/>
-            </a:pPr>
-            <a:r>
-              <a:rPr lang="vi-VN" sz="2000" b="0" dirty="0">
-                <a:solidFill>
-                  <a:schemeClr val="tx1"/>
-                </a:solidFill>
-                <a:latin typeface="+mj-lt"/>
-              </a:rPr>
-              <a:t>3. Quyên góp vào chiến dịch:  Người dùng có thể lựa chọn các chiến dịch đã được triển khai để thực hiện chức năng quyên góp vào các chiến dịch</a:t>
-            </a:r>
-          </a:p>
-          <a:p>
-            <a:pPr marL="0" indent="0">
-              <a:buNone/>
-            </a:pPr>
-            <a:endParaRPr lang="vi-VN" sz="2000" b="0" dirty="0">
-              <a:solidFill>
-                <a:schemeClr val="tx1"/>
-              </a:solidFill>
-              <a:latin typeface="+mj-lt"/>
-            </a:endParaRPr>
-          </a:p>
-          <a:p>
-            <a:pPr marL="0" indent="0">
-              <a:buNone/>
-            </a:pPr>
-            <a:r>
-              <a:rPr lang="vi-VN" sz="2000" b="0" dirty="0">
-                <a:solidFill>
-                  <a:schemeClr val="tx1"/>
-                </a:solidFill>
-                <a:latin typeface="+mj-lt"/>
-              </a:rPr>
-              <a:t>4. Xử lý thông tin của những người quyên góp và tạo chiến dịch: Người dùng có thể thấy được công khai các thông tin của những người đã quyên góp, và thông tin của người tạo chiến dịch </a:t>
-            </a:r>
-          </a:p>
-          <a:p>
-            <a:pPr marL="0" indent="0">
-              <a:buNone/>
-            </a:pPr>
-            <a:endParaRPr lang="vi-VN" sz="2000" b="0" dirty="0">
-              <a:solidFill>
-                <a:schemeClr val="tx1"/>
-              </a:solidFill>
-              <a:latin typeface="+mj-lt"/>
-            </a:endParaRPr>
-          </a:p>
-          <a:p>
-            <a:pPr marL="0" indent="0">
-              <a:buNone/>
-            </a:pPr>
-            <a:r>
-              <a:rPr lang="vi-VN" sz="2000" b="0" dirty="0">
-                <a:solidFill>
-                  <a:schemeClr val="tx1"/>
-                </a:solidFill>
-                <a:latin typeface="+mj-lt"/>
-              </a:rPr>
-              <a:t>5. </a:t>
-            </a:r>
-            <a:r>
-              <a:rPr lang="vi-VN" sz="2000" b="0" dirty="0" err="1">
-                <a:solidFill>
-                  <a:schemeClr val="tx1"/>
-                </a:solidFill>
-                <a:latin typeface="+mj-lt"/>
-              </a:rPr>
-              <a:t>Gas</a:t>
-            </a:r>
-            <a:r>
-              <a:rPr lang="vi-VN" sz="2000" b="0" dirty="0">
-                <a:solidFill>
-                  <a:schemeClr val="tx1"/>
-                </a:solidFill>
-                <a:latin typeface="+mj-lt"/>
-              </a:rPr>
-              <a:t>: Sự dụng tiền điện tử </a:t>
-            </a:r>
-            <a:r>
-              <a:rPr lang="vi-VN" sz="2000" b="0" dirty="0" err="1">
-                <a:solidFill>
-                  <a:schemeClr val="tx1"/>
-                </a:solidFill>
-                <a:latin typeface="+mj-lt"/>
-              </a:rPr>
-              <a:t>Ethereum</a:t>
-            </a:r>
-            <a:r>
-              <a:rPr lang="vi-VN" sz="2000" b="0" dirty="0">
-                <a:solidFill>
-                  <a:schemeClr val="tx1"/>
-                </a:solidFill>
-                <a:latin typeface="+mj-lt"/>
-              </a:rPr>
-              <a:t> sẽ chỉ xảy ra khi người dùng tạo chiến dịch gây quỹ và quyên góp vào chiến dịch </a:t>
-            </a:r>
-          </a:p>
-          <a:p>
-            <a:pPr marL="0" indent="0">
-              <a:buNone/>
-            </a:pPr>
-            <a:endParaRPr lang="vi-VN" sz="2000" b="0" dirty="0">
-              <a:solidFill>
-                <a:schemeClr val="tx1"/>
-              </a:solidFill>
-              <a:latin typeface="+mj-lt"/>
-            </a:endParaRPr>
-          </a:p>
-        </p:txBody>
-      </p:sp>
-      <p:sp>
-        <p:nvSpPr>
-          <p:cNvPr id="4" name="Footer Placeholder 3">
-            <a:extLst>
-              <a:ext uri="{FF2B5EF4-FFF2-40B4-BE49-F238E27FC236}">
-                <a16:creationId xmlns:a16="http://schemas.microsoft.com/office/drawing/2014/main" id="{57A4E912-AE0B-C77E-F2A5-B810D4F15E18}"/>
-              </a:ext>
-            </a:extLst>
-          </p:cNvPr>
-          <p:cNvSpPr>
-            <a:spLocks noGrp="1"/>
-          </p:cNvSpPr>
-          <p:nvPr>
-            <p:ph type="ftr" sz="quarter" idx="11"/>
-          </p:nvPr>
-        </p:nvSpPr>
-        <p:spPr/>
-        <p:txBody>
-          <a:bodyPr/>
-          <a:lstStyle/>
-          <a:p>
-            <a:r>
-              <a:rPr lang="en-US"/>
-              <a:t>Artificial Intelligence</a:t>
-            </a:r>
-          </a:p>
-        </p:txBody>
-      </p:sp>
-      <p:sp>
-        <p:nvSpPr>
-          <p:cNvPr id="5" name="Slide Number Placeholder 4">
-            <a:extLst>
-              <a:ext uri="{FF2B5EF4-FFF2-40B4-BE49-F238E27FC236}">
-                <a16:creationId xmlns:a16="http://schemas.microsoft.com/office/drawing/2014/main" id="{04CF0F2E-647E-E452-41D0-C92FEE8BCE85}"/>
-              </a:ext>
-            </a:extLst>
-          </p:cNvPr>
-          <p:cNvSpPr>
-            <a:spLocks noGrp="1"/>
-          </p:cNvSpPr>
-          <p:nvPr>
-            <p:ph type="sldNum" sz="quarter" idx="12"/>
-          </p:nvPr>
-        </p:nvSpPr>
-        <p:spPr/>
-        <p:txBody>
-          <a:bodyPr/>
-          <a:lstStyle/>
-          <a:p>
-            <a:fld id="{20A7A832-6730-4971-A5D3-FA5C81A3095C}" type="slidenum">
-              <a:rPr lang="en-US" smtClean="0"/>
-              <a:t>4</a:t>
-            </a:fld>
-            <a:endParaRPr lang="en-US"/>
-          </a:p>
-        </p:txBody>
-      </p:sp>
-    </p:spTree>
-    <p:extLst>
-      <p:ext uri="{BB962C8B-B14F-4D97-AF65-F5344CB8AC3E}">
-        <p14:creationId xmlns:p14="http://schemas.microsoft.com/office/powerpoint/2010/main" val="1472383769"/>
-      </p:ext>
-    </p:extLst>
-  </p:cSld>
-  <p:clrMapOvr>
-    <a:masterClrMapping/>
-  </p:clrMapOvr>
-</p:sld>
-</file>
-
-<file path=ppt/slides/slide5.xml><?xml version="1.0" encoding="utf-8"?>
-<p:sld xmlns:a="http://schemas.openxmlformats.org/drawingml/2006/main" xmlns:r="http://schemas.openxmlformats.org/officeDocument/2006/relationships" xmlns:p="http://schemas.openxmlformats.org/presentationml/2006/main">
-  <p:cSld>
-    <p:spTree>
-      <p:nvGrpSpPr>
-        <p:cNvPr id="1" name=""/>
-        <p:cNvGrpSpPr/>
-        <p:nvPr/>
-      </p:nvGrpSpPr>
-      <p:grpSpPr>
-        <a:xfrm>
-          <a:off x="0" y="0"/>
-          <a:ext cx="0" cy="0"/>
-          <a:chOff x="0" y="0"/>
-          <a:chExt cx="0" cy="0"/>
-        </a:xfrm>
-      </p:grpSpPr>
-      <p:sp>
-        <p:nvSpPr>
           <p:cNvPr id="2" name="TextBox 1">
             <a:extLst>
               <a:ext uri="{FF2B5EF4-FFF2-40B4-BE49-F238E27FC236}">
@@ -3035,8 +2638,8 @@
         </p:nvSpPr>
         <p:spPr>
           <a:xfrm>
-            <a:off x="8380412" y="-28575"/>
-            <a:ext cx="3581400" cy="553998"/>
+            <a:off x="6627812" y="-28575"/>
+            <a:ext cx="5334000" cy="553998"/>
           </a:xfrm>
           <a:prstGeom prst="rect">
             <a:avLst/>
@@ -3050,13 +2653,67 @@
           <a:lstStyle/>
           <a:p>
             <a:r>
+              <a:rPr lang="vi-VN" sz="3000" b="1" dirty="0" err="1">
+                <a:solidFill>
+                  <a:srgbClr val="374F8B"/>
+                </a:solidFill>
+                <a:latin typeface="+mj-lt"/>
+              </a:rPr>
+              <a:t>Technology</a:t>
+            </a:r>
+            <a:r>
               <a:rPr lang="vi-VN" sz="3000" b="1" dirty="0">
                 <a:solidFill>
                   <a:srgbClr val="374F8B"/>
                 </a:solidFill>
                 <a:latin typeface="+mj-lt"/>
               </a:rPr>
-              <a:t>Công nghệ sử dụng</a:t>
+              <a:t> </a:t>
+            </a:r>
+            <a:r>
+              <a:rPr lang="vi-VN" sz="3000" b="1" dirty="0" err="1">
+                <a:solidFill>
+                  <a:srgbClr val="374F8B"/>
+                </a:solidFill>
+                <a:latin typeface="+mj-lt"/>
+              </a:rPr>
+              <a:t>and</a:t>
+            </a:r>
+            <a:r>
+              <a:rPr lang="vi-VN" sz="3000" b="1" dirty="0">
+                <a:solidFill>
+                  <a:srgbClr val="374F8B"/>
+                </a:solidFill>
+                <a:latin typeface="+mj-lt"/>
+              </a:rPr>
+              <a:t> </a:t>
+            </a:r>
+            <a:r>
+              <a:rPr lang="vi-VN" sz="3000" b="1" dirty="0" err="1">
+                <a:solidFill>
+                  <a:srgbClr val="374F8B"/>
+                </a:solidFill>
+                <a:latin typeface="+mj-lt"/>
+              </a:rPr>
+              <a:t>libraries</a:t>
+            </a:r>
+            <a:r>
+              <a:rPr lang="vi-VN" sz="3000" b="1" dirty="0">
+                <a:solidFill>
+                  <a:srgbClr val="374F8B"/>
+                </a:solidFill>
+                <a:latin typeface="+mj-lt"/>
+              </a:rPr>
+              <a:t> </a:t>
+            </a:r>
+            <a:r>
+              <a:rPr lang="vi-VN" sz="3000" b="1" dirty="0" err="1">
+                <a:solidFill>
+                  <a:srgbClr val="374F8B"/>
+                </a:solidFill>
+                <a:latin typeface="+mj-lt"/>
+              </a:rPr>
+              <a:t>used</a:t>
             </a:r>
             <a:endParaRPr lang="en-US" sz="3000" b="1" dirty="0">
               <a:solidFill>
@@ -3210,10 +2867,10 @@
       </p:pic>
       <p:pic>
         <p:nvPicPr>
-          <p:cNvPr id="3" name="Picture 2" descr="Why Node.js could be best for your next web application﻿ - Webrexstudio">
+          <p:cNvPr id="4" name="Picture 4" descr="About Me - MyThinkPond">
             <a:extLst>
               <a:ext uri="{FF2B5EF4-FFF2-40B4-BE49-F238E27FC236}">
-                <a16:creationId xmlns:a16="http://schemas.microsoft.com/office/drawing/2014/main" id="{213BD262-1329-BAB8-70EB-10A2637992F1}"/>
+                <a16:creationId xmlns:a16="http://schemas.microsoft.com/office/drawing/2014/main" id="{2A6CD364-E196-F51A-16B0-EAE0152860C1}"/>
               </a:ext>
             </a:extLst>
           </p:cNvPr>
@@ -3237,8 +2894,8 @@
         </p:blipFill>
         <p:spPr bwMode="auto">
           <a:xfrm>
-            <a:off x="369297" y="1680949"/>
-            <a:ext cx="3449229" cy="1624012"/>
+            <a:off x="3818526" y="1195811"/>
+            <a:ext cx="2590800" cy="2109150"/>
           </a:xfrm>
           <a:prstGeom prst="rect">
             <a:avLst/>
@@ -3257,10 +2914,10 @@
       </p:pic>
       <p:pic>
         <p:nvPicPr>
-          <p:cNvPr id="4" name="Picture 4" descr="About Me - MyThinkPond">
+          <p:cNvPr id="5" name="Picture 6" descr="DumbWays.id | Article | Coding Bootcamp Indonesia, Gratis!">
             <a:extLst>
               <a:ext uri="{FF2B5EF4-FFF2-40B4-BE49-F238E27FC236}">
-                <a16:creationId xmlns:a16="http://schemas.microsoft.com/office/drawing/2014/main" id="{2A6CD364-E196-F51A-16B0-EAE0152860C1}"/>
+                <a16:creationId xmlns:a16="http://schemas.microsoft.com/office/drawing/2014/main" id="{DD9F4DA6-D113-CA99-F521-0C16BAF1E948}"/>
               </a:ext>
             </a:extLst>
           </p:cNvPr>
@@ -3270,7 +2927,7 @@
           <p:nvPr/>
         </p:nvPicPr>
         <p:blipFill>
-          <a:blip r:embed="rId6" cstate="print">
+          <a:blip r:embed="rId6">
             <a:extLst>
               <a:ext uri="{28A0092B-C50C-407E-A947-70E740481C1C}">
                 <a14:useLocalDpi xmlns:a14="http://schemas.microsoft.com/office/drawing/2010/main" val="0"/>
@@ -3284,8 +2941,8 @@
         </p:blipFill>
         <p:spPr bwMode="auto">
           <a:xfrm>
-            <a:off x="3818526" y="1195811"/>
-            <a:ext cx="2590800" cy="2109150"/>
+            <a:off x="6323012" y="1404118"/>
+            <a:ext cx="3248024" cy="1692536"/>
           </a:xfrm>
           <a:prstGeom prst="rect">
             <a:avLst/>
@@ -3304,10 +2961,10 @@
       </p:pic>
       <p:pic>
         <p:nvPicPr>
-          <p:cNvPr id="5" name="Picture 6" descr="DumbWays.id | Article | Coding Bootcamp Indonesia, Gratis!">
+          <p:cNvPr id="6" name="Picture 8" descr="Download Thirdweb Logo PNG and Vector (PDF, SVG, Ai, EPS) Free">
             <a:extLst>
               <a:ext uri="{FF2B5EF4-FFF2-40B4-BE49-F238E27FC236}">
-                <a16:creationId xmlns:a16="http://schemas.microsoft.com/office/drawing/2014/main" id="{DD9F4DA6-D113-CA99-F521-0C16BAF1E948}"/>
+                <a16:creationId xmlns:a16="http://schemas.microsoft.com/office/drawing/2014/main" id="{28E6BE3E-C870-73F0-7D9C-1FE15198A288}"/>
               </a:ext>
             </a:extLst>
           </p:cNvPr>
@@ -3331,8 +2988,8 @@
         </p:blipFill>
         <p:spPr bwMode="auto">
           <a:xfrm>
-            <a:off x="6323012" y="1404118"/>
-            <a:ext cx="3248024" cy="1692536"/>
+            <a:off x="9247190" y="1383501"/>
+            <a:ext cx="2572338" cy="1926540"/>
           </a:xfrm>
           <a:prstGeom prst="rect">
             <a:avLst/>
@@ -3351,10 +3008,10 @@
       </p:pic>
       <p:pic>
         <p:nvPicPr>
-          <p:cNvPr id="6" name="Picture 8" descr="Download Thirdweb Logo PNG and Vector (PDF, SVG, Ai, EPS) Free">
+          <p:cNvPr id="8" name="Picture 2" descr="Intro to React">
             <a:extLst>
               <a:ext uri="{FF2B5EF4-FFF2-40B4-BE49-F238E27FC236}">
-                <a16:creationId xmlns:a16="http://schemas.microsoft.com/office/drawing/2014/main" id="{28E6BE3E-C870-73F0-7D9C-1FE15198A288}"/>
+                <a16:creationId xmlns:a16="http://schemas.microsoft.com/office/drawing/2014/main" id="{F92BF53B-A93F-8CCE-3935-19BF95FF27F1}"/>
               </a:ext>
             </a:extLst>
           </p:cNvPr>
@@ -3364,7 +3021,7 @@
           <p:nvPr/>
         </p:nvPicPr>
         <p:blipFill>
-          <a:blip r:embed="rId8">
+          <a:blip r:embed="rId8" cstate="print">
             <a:extLst>
               <a:ext uri="{28A0092B-C50C-407E-A947-70E740481C1C}">
                 <a14:useLocalDpi xmlns:a14="http://schemas.microsoft.com/office/drawing/2010/main" val="0"/>
@@ -3378,8 +3035,8 @@
         </p:blipFill>
         <p:spPr bwMode="auto">
           <a:xfrm>
-            <a:off x="9247190" y="1383501"/>
-            <a:ext cx="2572338" cy="1926540"/>
+            <a:off x="227012" y="1383501"/>
+            <a:ext cx="3733800" cy="1713153"/>
           </a:xfrm>
           <a:prstGeom prst="rect">
             <a:avLst/>
@@ -3400,6 +3057,317 @@
     <p:extLst>
       <p:ext uri="{BB962C8B-B14F-4D97-AF65-F5344CB8AC3E}">
         <p14:creationId xmlns:p14="http://schemas.microsoft.com/office/powerpoint/2010/main" val="3626819138"/>
+      </p:ext>
+    </p:extLst>
+  </p:cSld>
+  <p:clrMapOvr>
+    <a:masterClrMapping/>
+  </p:clrMapOvr>
+</p:sld>
+</file>
+
+<file path=ppt/slides/slide5.xml><?xml version="1.0" encoding="utf-8"?>
+<p:sld xmlns:a="http://schemas.openxmlformats.org/drawingml/2006/main" xmlns:r="http://schemas.openxmlformats.org/officeDocument/2006/relationships" xmlns:p="http://schemas.openxmlformats.org/presentationml/2006/main">
+  <p:cSld>
+    <p:spTree>
+      <p:nvGrpSpPr>
+        <p:cNvPr id="1" name=""/>
+        <p:cNvGrpSpPr/>
+        <p:nvPr/>
+      </p:nvGrpSpPr>
+      <p:grpSpPr>
+        <a:xfrm>
+          <a:off x="0" y="0"/>
+          <a:ext cx="0" cy="0"/>
+          <a:chOff x="0" y="0"/>
+          <a:chExt cx="0" cy="0"/>
+        </a:xfrm>
+      </p:grpSpPr>
+      <p:sp>
+        <p:nvSpPr>
+          <p:cNvPr id="2" name="Title 1">
+            <a:extLst>
+              <a:ext uri="{FF2B5EF4-FFF2-40B4-BE49-F238E27FC236}">
+                <a16:creationId xmlns:a16="http://schemas.microsoft.com/office/drawing/2014/main" id="{F0B9A534-8C7E-279E-FD74-138AE0837815}"/>
+              </a:ext>
+            </a:extLst>
+          </p:cNvPr>
+          <p:cNvSpPr>
+            <a:spLocks noGrp="1"/>
+          </p:cNvSpPr>
+          <p:nvPr>
+            <p:ph type="title"/>
+          </p:nvPr>
+        </p:nvSpPr>
+        <p:spPr/>
+        <p:txBody>
+          <a:bodyPr/>
+          <a:lstStyle/>
+          <a:p>
+            <a:r>
+              <a:rPr lang="en-US" dirty="0">
+                <a:effectLst/>
+              </a:rPr>
+              <a:t>Functions </a:t>
+            </a:r>
+            <a:r>
+              <a:rPr lang="vi-VN" dirty="0">
+                <a:effectLst/>
+              </a:rPr>
+              <a:t>in the </a:t>
+            </a:r>
+            <a:r>
+              <a:rPr lang="vi-VN" dirty="0" err="1">
+                <a:effectLst/>
+              </a:rPr>
+              <a:t>topic</a:t>
+            </a:r>
+            <a:endParaRPr lang="en-US" dirty="0">
+              <a:effectLst/>
+            </a:endParaRPr>
+          </a:p>
+        </p:txBody>
+      </p:sp>
+      <p:sp>
+        <p:nvSpPr>
+          <p:cNvPr id="3" name="Content Placeholder 2">
+            <a:extLst>
+              <a:ext uri="{FF2B5EF4-FFF2-40B4-BE49-F238E27FC236}">
+                <a16:creationId xmlns:a16="http://schemas.microsoft.com/office/drawing/2014/main" id="{4A8306B3-18EA-AC34-9CD7-B22261F22708}"/>
+              </a:ext>
+            </a:extLst>
+          </p:cNvPr>
+          <p:cNvSpPr>
+            <a:spLocks noGrp="1"/>
+          </p:cNvSpPr>
+          <p:nvPr>
+            <p:ph idx="1"/>
+          </p:nvPr>
+        </p:nvSpPr>
+        <p:spPr>
+          <a:xfrm>
+            <a:off x="608012" y="1016839"/>
+            <a:ext cx="10972800" cy="5867399"/>
+          </a:xfrm>
+        </p:spPr>
+        <p:txBody>
+          <a:bodyPr>
+            <a:normAutofit/>
+          </a:bodyPr>
+          <a:lstStyle/>
+          <a:p>
+            <a:pPr marL="457200" indent="-457200">
+              <a:buAutoNum type="arabicPeriod"/>
+            </a:pPr>
+            <a:endParaRPr lang="vi-VN" sz="2400" b="0" dirty="0">
+              <a:solidFill>
+                <a:schemeClr val="tx1"/>
+              </a:solidFill>
+              <a:latin typeface="+mj-lt"/>
+            </a:endParaRPr>
+          </a:p>
+          <a:p>
+            <a:pPr marL="457200" indent="-457200">
+              <a:buAutoNum type="arabicPeriod"/>
+            </a:pPr>
+            <a:r>
+              <a:rPr lang="en-US" sz="2400" b="0" dirty="0">
+                <a:solidFill>
+                  <a:schemeClr val="tx1"/>
+                </a:solidFill>
+                <a:latin typeface="+mj-lt"/>
+              </a:rPr>
+              <a:t>Connect to </a:t>
+            </a:r>
+            <a:r>
+              <a:rPr lang="en-US" sz="2400" b="0" dirty="0" err="1">
+                <a:solidFill>
+                  <a:schemeClr val="tx1"/>
+                </a:solidFill>
+                <a:latin typeface="+mj-lt"/>
+              </a:rPr>
+              <a:t>metamask</a:t>
+            </a:r>
+            <a:r>
+              <a:rPr lang="en-US" sz="2400" b="0" dirty="0">
+                <a:solidFill>
+                  <a:schemeClr val="tx1"/>
+                </a:solidFill>
+                <a:latin typeface="+mj-lt"/>
+              </a:rPr>
+              <a:t> wallet Connect the website to the user's </a:t>
+            </a:r>
+            <a:r>
+              <a:rPr lang="en-US" sz="2400" b="0" dirty="0" err="1">
+                <a:solidFill>
+                  <a:schemeClr val="tx1"/>
+                </a:solidFill>
+                <a:latin typeface="+mj-lt"/>
+              </a:rPr>
+              <a:t>metamask</a:t>
+            </a:r>
+            <a:r>
+              <a:rPr lang="en-US" sz="2400" b="0" dirty="0">
+                <a:solidFill>
+                  <a:schemeClr val="tx1"/>
+                </a:solidFill>
+                <a:latin typeface="+mj-lt"/>
+              </a:rPr>
+              <a:t> wallet.</a:t>
+            </a:r>
+          </a:p>
+          <a:p>
+            <a:pPr marL="457200" indent="-457200">
+              <a:buAutoNum type="arabicPeriod"/>
+            </a:pPr>
+            <a:r>
+              <a:rPr lang="en-US" sz="2400" b="0" dirty="0">
+                <a:solidFill>
+                  <a:schemeClr val="tx1"/>
+                </a:solidFill>
+                <a:latin typeface="+mj-lt"/>
+              </a:rPr>
+              <a:t>Create a crowdfunding campaign</a:t>
+            </a:r>
+            <a:r>
+              <a:rPr lang="vi-VN" sz="2400" b="0" dirty="0">
+                <a:solidFill>
+                  <a:schemeClr val="tx1"/>
+                </a:solidFill>
+                <a:latin typeface="+mj-lt"/>
+              </a:rPr>
+              <a:t> </a:t>
+            </a:r>
+            <a:r>
+              <a:rPr lang="en-US" sz="2400" b="0" dirty="0">
+                <a:solidFill>
+                  <a:schemeClr val="tx1"/>
+                </a:solidFill>
+                <a:latin typeface="+mj-lt"/>
+              </a:rPr>
+              <a:t>Users can launch one or more fundraising campaigns from the website.</a:t>
+            </a:r>
+          </a:p>
+          <a:p>
+            <a:pPr marL="457200" indent="-457200">
+              <a:buAutoNum type="arabicPeriod"/>
+            </a:pPr>
+            <a:r>
+              <a:rPr lang="en-US" sz="2400" b="0" dirty="0">
+                <a:solidFill>
+                  <a:schemeClr val="tx1"/>
+                </a:solidFill>
+                <a:latin typeface="+mj-lt"/>
+              </a:rPr>
+              <a:t>Donate to campaigns Users can select campaigns that have been deployed to perform the function of donating to campaigns.</a:t>
+            </a:r>
+          </a:p>
+          <a:p>
+            <a:pPr marL="457200" indent="-457200">
+              <a:buAutoNum type="arabicPeriod"/>
+            </a:pPr>
+            <a:r>
+              <a:rPr lang="en-US" sz="2400" b="0" dirty="0">
+                <a:solidFill>
+                  <a:schemeClr val="tx1"/>
+                </a:solidFill>
+                <a:latin typeface="+mj-lt"/>
+              </a:rPr>
+              <a:t>Processing information of donors and campaign creators Users can publicly see information of donors, and information of campaign creators.</a:t>
+            </a:r>
+          </a:p>
+          <a:p>
+            <a:pPr marL="457200" indent="-457200">
+              <a:buAutoNum type="arabicPeriod"/>
+            </a:pPr>
+            <a:r>
+              <a:rPr lang="en-US" sz="2400" b="0">
+                <a:solidFill>
+                  <a:schemeClr val="tx1"/>
+                </a:solidFill>
+                <a:latin typeface="+mj-lt"/>
+              </a:rPr>
+              <a:t>Gas </a:t>
+            </a:r>
+            <a:r>
+              <a:rPr lang="en-US" sz="2400" b="0" dirty="0">
+                <a:solidFill>
+                  <a:schemeClr val="tx1"/>
+                </a:solidFill>
+                <a:latin typeface="+mj-lt"/>
+              </a:rPr>
+              <a:t>Use of Ethereum cryptocurrency will only happen when users create a fundraising campaign and donate to the campaign.</a:t>
+            </a:r>
+            <a:endParaRPr lang="vi-VN" sz="2400" b="0" dirty="0">
+              <a:solidFill>
+                <a:schemeClr val="tx1"/>
+              </a:solidFill>
+              <a:latin typeface="+mj-lt"/>
+            </a:endParaRPr>
+          </a:p>
+        </p:txBody>
+      </p:sp>
+      <p:sp>
+        <p:nvSpPr>
+          <p:cNvPr id="4" name="Footer Placeholder 3">
+            <a:extLst>
+              <a:ext uri="{FF2B5EF4-FFF2-40B4-BE49-F238E27FC236}">
+                <a16:creationId xmlns:a16="http://schemas.microsoft.com/office/drawing/2014/main" id="{57A4E912-AE0B-C77E-F2A5-B810D4F15E18}"/>
+              </a:ext>
+            </a:extLst>
+          </p:cNvPr>
+          <p:cNvSpPr>
+            <a:spLocks noGrp="1"/>
+          </p:cNvSpPr>
+          <p:nvPr>
+            <p:ph type="ftr" sz="quarter" idx="11"/>
+          </p:nvPr>
+        </p:nvSpPr>
+        <p:spPr/>
+        <p:txBody>
+          <a:bodyPr/>
+          <a:lstStyle/>
+          <a:p>
+            <a:r>
+              <a:rPr lang="en-US"/>
+              <a:t>Artificial Intelligence</a:t>
+            </a:r>
+          </a:p>
+        </p:txBody>
+      </p:sp>
+      <p:sp>
+        <p:nvSpPr>
+          <p:cNvPr id="5" name="Slide Number Placeholder 4">
+            <a:extLst>
+              <a:ext uri="{FF2B5EF4-FFF2-40B4-BE49-F238E27FC236}">
+                <a16:creationId xmlns:a16="http://schemas.microsoft.com/office/drawing/2014/main" id="{04CF0F2E-647E-E452-41D0-C92FEE8BCE85}"/>
+              </a:ext>
+            </a:extLst>
+          </p:cNvPr>
+          <p:cNvSpPr>
+            <a:spLocks noGrp="1"/>
+          </p:cNvSpPr>
+          <p:nvPr>
+            <p:ph type="sldNum" sz="quarter" idx="12"/>
+          </p:nvPr>
+        </p:nvSpPr>
+        <p:spPr/>
+        <p:txBody>
+          <a:bodyPr/>
+          <a:lstStyle/>
+          <a:p>
+            <a:fld id="{20A7A832-6730-4971-A5D3-FA5C81A3095C}" type="slidenum">
+              <a:rPr lang="en-US" smtClean="0"/>
+              <a:t>5</a:t>
+            </a:fld>
+            <a:endParaRPr lang="en-US"/>
+          </a:p>
+        </p:txBody>
+      </p:sp>
+    </p:spTree>
+    <p:extLst>
+      <p:ext uri="{BB962C8B-B14F-4D97-AF65-F5344CB8AC3E}">
+        <p14:creationId xmlns:p14="http://schemas.microsoft.com/office/powerpoint/2010/main" val="1472383769"/>
       </p:ext>
     </p:extLst>
   </p:cSld>
@@ -3440,8 +3408,8 @@
         </p:nvSpPr>
         <p:spPr>
           <a:xfrm>
-            <a:off x="9142412" y="21656"/>
-            <a:ext cx="2727029" cy="553998"/>
+            <a:off x="10361612" y="15240"/>
+            <a:ext cx="1744388" cy="553998"/>
           </a:xfrm>
           <a:prstGeom prst="rect">
             <a:avLst/>
@@ -3461,280 +3429,7 @@
                 </a:solidFill>
                 <a:latin typeface="+mj-lt"/>
               </a:rPr>
-              <a:t>Hình ảnh </a:t>
-            </a:r>
-            <a:r>
-              <a:rPr lang="vi-VN" sz="3000" b="1" dirty="0" err="1">
-                <a:solidFill>
-                  <a:srgbClr val="374F8B"/>
-                </a:solidFill>
-                <a:latin typeface="+mj-lt"/>
-              </a:rPr>
-              <a:t>demo</a:t>
-            </a:r>
-            <a:endParaRPr lang="en-US" sz="3000" b="1" dirty="0">
-              <a:solidFill>
-                <a:srgbClr val="374F8B"/>
-              </a:solidFill>
-              <a:latin typeface="+mj-lt"/>
-            </a:endParaRPr>
-          </a:p>
-        </p:txBody>
-      </p:sp>
-      <p:pic>
-        <p:nvPicPr>
-          <p:cNvPr id="2050" name="Picture 2" descr="Không có mô tả.">
-            <a:extLst>
-              <a:ext uri="{FF2B5EF4-FFF2-40B4-BE49-F238E27FC236}">
-                <a16:creationId xmlns:a16="http://schemas.microsoft.com/office/drawing/2014/main" id="{BE6DCC6E-F412-5D41-C318-CF0D0B03BC14}"/>
-              </a:ext>
-            </a:extLst>
-          </p:cNvPr>
-          <p:cNvPicPr>
-            <a:picLocks noChangeAspect="1" noChangeArrowheads="1"/>
-          </p:cNvPicPr>
-          <p:nvPr/>
-        </p:nvPicPr>
-        <p:blipFill>
-          <a:blip r:embed="rId2" cstate="print">
-            <a:extLst>
-              <a:ext uri="{28A0092B-C50C-407E-A947-70E740481C1C}">
-                <a14:useLocalDpi xmlns:a14="http://schemas.microsoft.com/office/drawing/2010/main" val="0"/>
-              </a:ext>
-            </a:extLst>
-          </a:blip>
-          <a:srcRect/>
-          <a:stretch>
-            <a:fillRect/>
-          </a:stretch>
-        </p:blipFill>
-        <p:spPr bwMode="auto">
-          <a:xfrm>
-            <a:off x="618965" y="792480"/>
-            <a:ext cx="5414433" cy="2861772"/>
-          </a:xfrm>
-          <a:prstGeom prst="rect">
-            <a:avLst/>
-          </a:prstGeom>
-          <a:noFill/>
-          <a:extLst>
-            <a:ext uri="{909E8E84-426E-40DD-AFC4-6F175D3DCCD1}">
-              <a14:hiddenFill xmlns:a14="http://schemas.microsoft.com/office/drawing/2010/main">
-                <a:solidFill>
-                  <a:srgbClr val="FFFFFF"/>
-                </a:solidFill>
-              </a14:hiddenFill>
-            </a:ext>
-          </a:extLst>
-        </p:spPr>
-      </p:pic>
-      <p:pic>
-        <p:nvPicPr>
-          <p:cNvPr id="2052" name="Picture 4" descr="Không có mô tả.">
-            <a:extLst>
-              <a:ext uri="{FF2B5EF4-FFF2-40B4-BE49-F238E27FC236}">
-                <a16:creationId xmlns:a16="http://schemas.microsoft.com/office/drawing/2014/main" id="{A82C5DD8-590B-B8FE-4DF0-DEDC28180EDA}"/>
-              </a:ext>
-            </a:extLst>
-          </p:cNvPr>
-          <p:cNvPicPr>
-            <a:picLocks noChangeAspect="1" noChangeArrowheads="1"/>
-          </p:cNvPicPr>
-          <p:nvPr/>
-        </p:nvPicPr>
-        <p:blipFill>
-          <a:blip r:embed="rId3" cstate="print">
-            <a:extLst>
-              <a:ext uri="{28A0092B-C50C-407E-A947-70E740481C1C}">
-                <a14:useLocalDpi xmlns:a14="http://schemas.microsoft.com/office/drawing/2010/main" val="0"/>
-              </a:ext>
-            </a:extLst>
-          </a:blip>
-          <a:srcRect/>
-          <a:stretch>
-            <a:fillRect/>
-          </a:stretch>
-        </p:blipFill>
-        <p:spPr bwMode="auto">
-          <a:xfrm>
-            <a:off x="6296025" y="799012"/>
-            <a:ext cx="5257800" cy="2667000"/>
-          </a:xfrm>
-          <a:prstGeom prst="rect">
-            <a:avLst/>
-          </a:prstGeom>
-          <a:noFill/>
-          <a:extLst>
-            <a:ext uri="{909E8E84-426E-40DD-AFC4-6F175D3DCCD1}">
-              <a14:hiddenFill xmlns:a14="http://schemas.microsoft.com/office/drawing/2010/main">
-                <a:solidFill>
-                  <a:srgbClr val="FFFFFF"/>
-                </a:solidFill>
-              </a14:hiddenFill>
-            </a:ext>
-          </a:extLst>
-        </p:spPr>
-      </p:pic>
-      <p:pic>
-        <p:nvPicPr>
-          <p:cNvPr id="2054" name="Picture 6" descr="Không có mô tả.">
-            <a:extLst>
-              <a:ext uri="{FF2B5EF4-FFF2-40B4-BE49-F238E27FC236}">
-                <a16:creationId xmlns:a16="http://schemas.microsoft.com/office/drawing/2014/main" id="{91F01710-BB72-D337-58F5-557C652691D0}"/>
-              </a:ext>
-            </a:extLst>
-          </p:cNvPr>
-          <p:cNvPicPr>
-            <a:picLocks noChangeAspect="1" noChangeArrowheads="1"/>
-          </p:cNvPicPr>
-          <p:nvPr/>
-        </p:nvPicPr>
-        <p:blipFill>
-          <a:blip r:embed="rId4" cstate="print">
-            <a:extLst>
-              <a:ext uri="{28A0092B-C50C-407E-A947-70E740481C1C}">
-                <a14:useLocalDpi xmlns:a14="http://schemas.microsoft.com/office/drawing/2010/main" val="0"/>
-              </a:ext>
-            </a:extLst>
-          </a:blip>
-          <a:srcRect/>
-          <a:stretch>
-            <a:fillRect/>
-          </a:stretch>
-        </p:blipFill>
-        <p:spPr bwMode="auto">
-          <a:xfrm>
-            <a:off x="608012" y="3618693"/>
-            <a:ext cx="5436341" cy="2667000"/>
-          </a:xfrm>
-          <a:prstGeom prst="rect">
-            <a:avLst/>
-          </a:prstGeom>
-          <a:noFill/>
-          <a:extLst>
-            <a:ext uri="{909E8E84-426E-40DD-AFC4-6F175D3DCCD1}">
-              <a14:hiddenFill xmlns:a14="http://schemas.microsoft.com/office/drawing/2010/main">
-                <a:solidFill>
-                  <a:srgbClr val="FFFFFF"/>
-                </a:solidFill>
-              </a14:hiddenFill>
-            </a:ext>
-          </a:extLst>
-        </p:spPr>
-      </p:pic>
-      <p:pic>
-        <p:nvPicPr>
-          <p:cNvPr id="2056" name="Picture 8" descr="Không có mô tả.">
-            <a:extLst>
-              <a:ext uri="{FF2B5EF4-FFF2-40B4-BE49-F238E27FC236}">
-                <a16:creationId xmlns:a16="http://schemas.microsoft.com/office/drawing/2014/main" id="{C18C73B0-BD2C-5EA1-BB18-10E50228AA1A}"/>
-              </a:ext>
-            </a:extLst>
-          </p:cNvPr>
-          <p:cNvPicPr>
-            <a:picLocks noChangeAspect="1" noChangeArrowheads="1"/>
-          </p:cNvPicPr>
-          <p:nvPr/>
-        </p:nvPicPr>
-        <p:blipFill>
-          <a:blip r:embed="rId5" cstate="print">
-            <a:extLst>
-              <a:ext uri="{28A0092B-C50C-407E-A947-70E740481C1C}">
-                <a14:useLocalDpi xmlns:a14="http://schemas.microsoft.com/office/drawing/2010/main" val="0"/>
-              </a:ext>
-            </a:extLst>
-          </a:blip>
-          <a:srcRect/>
-          <a:stretch>
-            <a:fillRect/>
-          </a:stretch>
-        </p:blipFill>
-        <p:spPr bwMode="auto">
-          <a:xfrm>
-            <a:off x="6296025" y="3618693"/>
-            <a:ext cx="5257800" cy="2667000"/>
-          </a:xfrm>
-          <a:prstGeom prst="rect">
-            <a:avLst/>
-          </a:prstGeom>
-          <a:noFill/>
-          <a:extLst>
-            <a:ext uri="{909E8E84-426E-40DD-AFC4-6F175D3DCCD1}">
-              <a14:hiddenFill xmlns:a14="http://schemas.microsoft.com/office/drawing/2010/main">
-                <a:solidFill>
-                  <a:srgbClr val="FFFFFF"/>
-                </a:solidFill>
-              </a14:hiddenFill>
-            </a:ext>
-          </a:extLst>
-        </p:spPr>
-      </p:pic>
-    </p:spTree>
-    <p:extLst>
-      <p:ext uri="{BB962C8B-B14F-4D97-AF65-F5344CB8AC3E}">
-        <p14:creationId xmlns:p14="http://schemas.microsoft.com/office/powerpoint/2010/main" val="2939044699"/>
-      </p:ext>
-    </p:extLst>
-  </p:cSld>
-  <p:clrMapOvr>
-    <a:masterClrMapping/>
-  </p:clrMapOvr>
-</p:sld>
-</file>
-
-<file path=ppt/slides/slide7.xml><?xml version="1.0" encoding="utf-8"?>
-<p:sld xmlns:a="http://schemas.openxmlformats.org/drawingml/2006/main" xmlns:r="http://schemas.openxmlformats.org/officeDocument/2006/relationships" xmlns:p="http://schemas.openxmlformats.org/presentationml/2006/main">
-  <p:cSld>
-    <p:spTree>
-      <p:nvGrpSpPr>
-        <p:cNvPr id="1" name=""/>
-        <p:cNvGrpSpPr/>
-        <p:nvPr/>
-      </p:nvGrpSpPr>
-      <p:grpSpPr>
-        <a:xfrm>
-          <a:off x="0" y="0"/>
-          <a:ext cx="0" cy="0"/>
-          <a:chOff x="0" y="0"/>
-          <a:chExt cx="0" cy="0"/>
-        </a:xfrm>
-      </p:grpSpPr>
-      <p:sp>
-        <p:nvSpPr>
-          <p:cNvPr id="2" name="TextBox 1">
-            <a:extLst>
-              <a:ext uri="{FF2B5EF4-FFF2-40B4-BE49-F238E27FC236}">
-                <a16:creationId xmlns:a16="http://schemas.microsoft.com/office/drawing/2014/main" id="{E0F67BF8-3655-4649-903E-EFCCB0CDAD46}"/>
-              </a:ext>
-            </a:extLst>
-          </p:cNvPr>
-          <p:cNvSpPr txBox="1"/>
-          <p:nvPr/>
-        </p:nvSpPr>
-        <p:spPr>
-          <a:xfrm>
-            <a:off x="10361612" y="15240"/>
-            <a:ext cx="1606530" cy="553998"/>
-          </a:xfrm>
-          <a:prstGeom prst="rect">
-            <a:avLst/>
-          </a:prstGeom>
-          <a:noFill/>
-        </p:spPr>
-        <p:txBody>
-          <a:bodyPr wrap="none" rtlCol="0">
-            <a:spAutoFit/>
-          </a:bodyPr>
-          <a:lstStyle/>
-          <a:p>
-            <a:r>
-              <a:rPr lang="vi-VN" sz="3000" b="1" dirty="0">
-                <a:solidFill>
-                  <a:srgbClr val="374F8B"/>
-                </a:solidFill>
-                <a:latin typeface="+mj-lt"/>
-              </a:rPr>
-              <a:t>Kết luận</a:t>
+              <a:t>Conclude</a:t>
             </a:r>
             <a:endParaRPr lang="en-US" sz="3000" b="1" dirty="0">
               <a:solidFill>
@@ -3760,7 +3455,7 @@
         <p:spPr>
           <a:xfrm>
             <a:off x="455612" y="1143000"/>
-            <a:ext cx="11277600" cy="3662541"/>
+            <a:ext cx="11277600" cy="2954655"/>
           </a:xfrm>
           <a:prstGeom prst="rect">
             <a:avLst/>
@@ -3779,8 +3474,12 @@
                 <a:effectLst/>
                 <a:latin typeface="Söhne"/>
               </a:rPr>
-              <a:t>Điểm Được:</a:t>
-            </a:r>
+              <a:t>Points Earned:</a:t>
+            </a:r>
+            <a:endParaRPr lang="en-US" sz="2400" b="1" i="0" dirty="0">
+              <a:effectLst/>
+              <a:latin typeface="Söhne"/>
+            </a:endParaRPr>
           </a:p>
           <a:p>
             <a:pPr marL="342900" indent="-342900" algn="just">
@@ -3788,40 +3487,8 @@
               <a:buChar char="•"/>
             </a:pPr>
             <a:r>
-              <a:rPr lang="vi-VN" sz="2300" dirty="0"/>
-              <a:t>Sử Dụng </a:t>
-            </a:r>
-            <a:r>
-              <a:rPr lang="vi-VN" sz="2300" dirty="0" err="1"/>
-              <a:t>Blockchain</a:t>
-            </a:r>
-            <a:r>
-              <a:rPr lang="vi-VN" sz="2300" dirty="0"/>
-              <a:t> và </a:t>
-            </a:r>
-            <a:r>
-              <a:rPr lang="vi-VN" sz="2300" dirty="0" err="1"/>
-              <a:t>Ethereum</a:t>
-            </a:r>
-            <a:r>
-              <a:rPr lang="vi-VN" sz="2300" dirty="0"/>
-              <a:t>: Sử dụng </a:t>
-            </a:r>
-            <a:r>
-              <a:rPr lang="vi-VN" sz="2300" dirty="0" err="1"/>
-              <a:t>Ethereum</a:t>
-            </a:r>
-            <a:r>
-              <a:rPr lang="vi-VN" sz="2300" dirty="0"/>
-              <a:t> và công nghệ </a:t>
-            </a:r>
-            <a:r>
-              <a:rPr lang="vi-VN" sz="2300" dirty="0" err="1"/>
-              <a:t>Blockchain</a:t>
-            </a:r>
-            <a:r>
-              <a:rPr lang="vi-VN" sz="2300" dirty="0"/>
-              <a:t> mang lại tính minh bạch, bảo mật và công bằng trong việc quản lý các giao dịch và thưởng thức.</a:t>
+              <a:rPr lang="en-US" sz="2300" dirty="0"/>
+              <a:t>Using Blockchain and Ethereum: Using Ethereum and Blockchain technology brings transparency, security and fairness in managing transactions and enjoyment.</a:t>
             </a:r>
           </a:p>
           <a:p>
@@ -3830,25 +3497,33 @@
               <a:buChar char="•"/>
             </a:pPr>
             <a:r>
-              <a:rPr lang="vi-VN" sz="2300" dirty="0"/>
-              <a:t>Thúc Đẩy Sử Dụng Tiền Điện Tử: Ứng dụng tạo sự hấp dẫn trong việc sử dụng tiền điện tử </a:t>
-            </a:r>
+              <a:rPr lang="en-US" sz="2300" dirty="0"/>
+              <a:t>Promoting the Use of Cryptocurrencies: Applications that create appeal in the use of cryptocurrencies</a:t>
+            </a:r>
+            <a:endParaRPr lang="vi-VN" sz="2300" dirty="0"/>
+          </a:p>
+          <a:p>
+            <a:pPr algn="just"/>
+            <a:r>
+              <a:rPr lang="vi-VN" sz="2400" b="1" i="0" dirty="0">
+                <a:effectLst/>
+                <a:latin typeface="Söhne"/>
+              </a:rPr>
+              <a:t>Not yet:</a:t>
+            </a:r>
+            <a:endParaRPr lang="en-US" sz="2400" b="1" i="0" dirty="0">
+              <a:effectLst/>
+              <a:latin typeface="Söhne"/>
+            </a:endParaRPr>
           </a:p>
           <a:p>
             <a:pPr marL="342900" indent="-342900" algn="just">
               <a:buFont typeface="Arial" panose="020B0604020202020204" pitchFamily="34" charset="0"/>
               <a:buChar char="•"/>
             </a:pPr>
-            <a:endParaRPr lang="vi-VN" sz="2300" dirty="0"/>
-          </a:p>
-          <a:p>
-            <a:pPr algn="just"/>
-            <a:r>
-              <a:rPr lang="vi-VN" sz="2400" b="1" i="0" dirty="0">
-                <a:effectLst/>
-                <a:latin typeface="Söhne"/>
-              </a:rPr>
-              <a:t>Chưa Được:</a:t>
+            <a:r>
+              <a:rPr lang="en-US" sz="2300" dirty="0"/>
+              <a:t>Ability to withdraw from capital campaigns.</a:t>
             </a:r>
           </a:p>
           <a:p>
@@ -3857,20 +3532,9 @@
               <a:buChar char="•"/>
             </a:pPr>
             <a:r>
-              <a:rPr lang="vi-VN" sz="2300" dirty="0"/>
-              <a:t>Khả năng rút từ các chiến dịch gọi vốn.</a:t>
-            </a:r>
-          </a:p>
-          <a:p>
-            <a:pPr marL="342900" indent="-342900" algn="just">
-              <a:buFont typeface="Arial" panose="020B0604020202020204" pitchFamily="34" charset="0"/>
-              <a:buChar char="•"/>
-            </a:pPr>
-            <a:r>
-              <a:rPr lang="vi-VN" sz="2300" dirty="0"/>
-              <a:t>Kiểm tra các thông tin giao dịch của cá nhân.</a:t>
-            </a:r>
-            <a:endParaRPr lang="en-US" sz="2300" dirty="0"/>
+              <a:rPr lang="en-US" sz="2300" dirty="0"/>
+              <a:t>Check individual transaction information.</a:t>
+            </a:r>
           </a:p>
         </p:txBody>
       </p:sp>
@@ -3884,240 +3548,6 @@
   <p:clrMapOvr>
     <a:masterClrMapping/>
   </p:clrMapOvr>
-</p:sld>
-</file>
-
-<file path=ppt/slides/slide8.xml><?xml version="1.0" encoding="utf-8"?>
-<p:sld xmlns:a="http://schemas.openxmlformats.org/drawingml/2006/main" xmlns:r="http://schemas.openxmlformats.org/officeDocument/2006/relationships" xmlns:p="http://schemas.openxmlformats.org/presentationml/2006/main">
-  <p:cSld>
-    <p:spTree>
-      <p:nvGrpSpPr>
-        <p:cNvPr id="1" name=""/>
-        <p:cNvGrpSpPr/>
-        <p:nvPr/>
-      </p:nvGrpSpPr>
-      <p:grpSpPr>
-        <a:xfrm>
-          <a:off x="0" y="0"/>
-          <a:ext cx="0" cy="0"/>
-          <a:chOff x="0" y="0"/>
-          <a:chExt cx="0" cy="0"/>
-        </a:xfrm>
-      </p:grpSpPr>
-      <p:sp>
-        <p:nvSpPr>
-          <p:cNvPr id="4" name="Title 3"/>
-          <p:cNvSpPr>
-            <a:spLocks noGrp="1"/>
-          </p:cNvSpPr>
-          <p:nvPr>
-            <p:ph type="title"/>
-          </p:nvPr>
-        </p:nvSpPr>
-        <p:spPr>
-          <a:xfrm>
-            <a:off x="2741612" y="2286000"/>
-            <a:ext cx="7391400" cy="2019300"/>
-          </a:xfrm>
-        </p:spPr>
-        <p:txBody>
-          <a:bodyPr/>
-          <a:lstStyle/>
-          <a:p>
-            <a:pPr algn="l"/>
-            <a:r>
-              <a:rPr lang="vi-VN" sz="10000" dirty="0">
-                <a:effectLst/>
-                <a:latin typeface="#9Slide03 Bebas Neue ZSmall" panose="020B0606020202050201" pitchFamily="34" charset="0"/>
-              </a:rPr>
-              <a:t>THANK</a:t>
-            </a:r>
-            <a:r>
-              <a:rPr lang="en-US" sz="10000" dirty="0">
-                <a:effectLst/>
-                <a:latin typeface="#9Slide03 Bebas Neue ZSmall" panose="020B0606020202050201" pitchFamily="34" charset="0"/>
-              </a:rPr>
-              <a:t> YOU</a:t>
-            </a:r>
-          </a:p>
-        </p:txBody>
-      </p:sp>
-      <p:sp>
-        <p:nvSpPr>
-          <p:cNvPr id="7" name="Footer Placeholder 4"/>
-          <p:cNvSpPr txBox="1">
-            <a:spLocks/>
-          </p:cNvSpPr>
-          <p:nvPr/>
-        </p:nvSpPr>
-        <p:spPr>
-          <a:xfrm>
-            <a:off x="3427412" y="838200"/>
-            <a:ext cx="5562600" cy="381000"/>
-          </a:xfrm>
-          <a:prstGeom prst="rect">
-            <a:avLst/>
-          </a:prstGeom>
-        </p:spPr>
-        <p:txBody>
-          <a:bodyPr vert="horz" lIns="91440" tIns="45720" rIns="91440" bIns="45720" rtlCol="0" anchor="ctr"/>
-          <a:lstStyle>
-            <a:defPPr>
-              <a:defRPr lang="en-US"/>
-            </a:defPPr>
-            <a:lvl1pPr marL="0" algn="ctr" defTabSz="914400" rtl="0" eaLnBrk="1" latinLnBrk="0" hangingPunct="1">
-              <a:defRPr sz="2800" b="1" kern="1200">
-                <a:solidFill>
-                  <a:schemeClr val="bg1"/>
-                </a:solidFill>
-                <a:latin typeface="+mj-lt"/>
-                <a:ea typeface="+mn-ea"/>
-                <a:cs typeface="+mn-cs"/>
-              </a:defRPr>
-            </a:lvl1pPr>
-            <a:lvl2pPr marL="457200" algn="l" defTabSz="914400" rtl="0" eaLnBrk="1" latinLnBrk="0" hangingPunct="1">
-              <a:defRPr sz="1800" kern="1200">
-                <a:solidFill>
-                  <a:schemeClr val="tx1"/>
-                </a:solidFill>
-                <a:latin typeface="+mn-lt"/>
-                <a:ea typeface="+mn-ea"/>
-                <a:cs typeface="+mn-cs"/>
-              </a:defRPr>
-            </a:lvl2pPr>
-            <a:lvl3pPr marL="914400" algn="l" defTabSz="914400" rtl="0" eaLnBrk="1" latinLnBrk="0" hangingPunct="1">
-              <a:defRPr sz="1800" kern="1200">
-                <a:solidFill>
-                  <a:schemeClr val="tx1"/>
-                </a:solidFill>
-                <a:latin typeface="+mn-lt"/>
-                <a:ea typeface="+mn-ea"/>
-                <a:cs typeface="+mn-cs"/>
-              </a:defRPr>
-            </a:lvl3pPr>
-            <a:lvl4pPr marL="1371600" algn="l" defTabSz="914400" rtl="0" eaLnBrk="1" latinLnBrk="0" hangingPunct="1">
-              <a:defRPr sz="1800" kern="1200">
-                <a:solidFill>
-                  <a:schemeClr val="tx1"/>
-                </a:solidFill>
-                <a:latin typeface="+mn-lt"/>
-                <a:ea typeface="+mn-ea"/>
-                <a:cs typeface="+mn-cs"/>
-              </a:defRPr>
-            </a:lvl4pPr>
-            <a:lvl5pPr marL="1828800" algn="l" defTabSz="914400" rtl="0" eaLnBrk="1" latinLnBrk="0" hangingPunct="1">
-              <a:defRPr sz="1800" kern="1200">
-                <a:solidFill>
-                  <a:schemeClr val="tx1"/>
-                </a:solidFill>
-                <a:latin typeface="+mn-lt"/>
-                <a:ea typeface="+mn-ea"/>
-                <a:cs typeface="+mn-cs"/>
-              </a:defRPr>
-            </a:lvl5pPr>
-            <a:lvl6pPr marL="2286000" algn="l" defTabSz="914400" rtl="0" eaLnBrk="1" latinLnBrk="0" hangingPunct="1">
-              <a:defRPr sz="1800" kern="1200">
-                <a:solidFill>
-                  <a:schemeClr val="tx1"/>
-                </a:solidFill>
-                <a:latin typeface="+mn-lt"/>
-                <a:ea typeface="+mn-ea"/>
-                <a:cs typeface="+mn-cs"/>
-              </a:defRPr>
-            </a:lvl6pPr>
-            <a:lvl7pPr marL="2743200" algn="l" defTabSz="914400" rtl="0" eaLnBrk="1" latinLnBrk="0" hangingPunct="1">
-              <a:defRPr sz="1800" kern="1200">
-                <a:solidFill>
-                  <a:schemeClr val="tx1"/>
-                </a:solidFill>
-                <a:latin typeface="+mn-lt"/>
-                <a:ea typeface="+mn-ea"/>
-                <a:cs typeface="+mn-cs"/>
-              </a:defRPr>
-            </a:lvl7pPr>
-            <a:lvl8pPr marL="3200400" algn="l" defTabSz="914400" rtl="0" eaLnBrk="1" latinLnBrk="0" hangingPunct="1">
-              <a:defRPr sz="1800" kern="1200">
-                <a:solidFill>
-                  <a:schemeClr val="tx1"/>
-                </a:solidFill>
-                <a:latin typeface="+mn-lt"/>
-                <a:ea typeface="+mn-ea"/>
-                <a:cs typeface="+mn-cs"/>
-              </a:defRPr>
-            </a:lvl8pPr>
-            <a:lvl9pPr marL="3657600" algn="l" defTabSz="914400" rtl="0" eaLnBrk="1" latinLnBrk="0" hangingPunct="1">
-              <a:defRPr sz="1800" kern="1200">
-                <a:solidFill>
-                  <a:schemeClr val="tx1"/>
-                </a:solidFill>
-                <a:latin typeface="+mn-lt"/>
-                <a:ea typeface="+mn-ea"/>
-                <a:cs typeface="+mn-cs"/>
-              </a:defRPr>
-            </a:lvl9pPr>
-          </a:lstStyle>
-          <a:p>
-            <a:r>
-              <a:rPr lang="en-US" sz="2000">
-                <a:solidFill>
-                  <a:srgbClr val="C00000"/>
-                </a:solidFill>
-              </a:rPr>
-              <a:t>Nhân bản</a:t>
-            </a:r>
-            <a:r>
-              <a:rPr lang="en-US" sz="2000">
-                <a:solidFill>
-                  <a:schemeClr val="accent1">
-                    <a:lumMod val="75000"/>
-                  </a:schemeClr>
-                </a:solidFill>
-              </a:rPr>
-              <a:t> – </a:t>
-            </a:r>
-            <a:r>
-              <a:rPr lang="en-US" sz="2000">
-                <a:solidFill>
-                  <a:srgbClr val="FFC000"/>
-                </a:solidFill>
-              </a:rPr>
-              <a:t>Phụng sự</a:t>
-            </a:r>
-            <a:r>
-              <a:rPr lang="en-US" sz="2000">
-                <a:solidFill>
-                  <a:schemeClr val="accent1">
-                    <a:lumMod val="75000"/>
-                  </a:schemeClr>
-                </a:solidFill>
-              </a:rPr>
-              <a:t> – </a:t>
-            </a:r>
-            <a:r>
-              <a:rPr lang="en-US" sz="2000">
-                <a:solidFill>
-                  <a:srgbClr val="002060"/>
-                </a:solidFill>
-              </a:rPr>
-              <a:t>Khai phóng</a:t>
-            </a:r>
-            <a:endParaRPr lang="en-US" sz="2000"/>
-          </a:p>
-        </p:txBody>
-      </p:sp>
-    </p:spTree>
-    <p:extLst>
-      <p:ext uri="{BB962C8B-B14F-4D97-AF65-F5344CB8AC3E}">
-        <p14:creationId xmlns:p14="http://schemas.microsoft.com/office/powerpoint/2010/main" val="4270077621"/>
-      </p:ext>
-    </p:extLst>
-  </p:cSld>
-  <p:clrMapOvr>
-    <a:masterClrMapping/>
-  </p:clrMapOvr>
-  <p:transition spd="slow">
-    <p:cover/>
-  </p:transition>
 </p:sld>
 </file>
 
